--- a/agitd_arra/발표 양식-웹.pptx
+++ b/agitd_arra/발표 양식-웹.pptx
@@ -237,7 +237,7 @@
             <a:fld id="{B09F2553-0C07-4B77-AFE9-A4A085BB1F8D}" type="datetimeFigureOut">
               <a:rPr lang="ko-KR" altLang="en-US" smtClean="0"/>
               <a:pPr/>
-              <a:t>2020-08-11</a:t>
+              <a:t>2020-08-12</a:t>
             </a:fld>
             <a:endParaRPr lang="ko-KR" altLang="en-US"/>
           </a:p>
@@ -1430,7 +1430,7 @@
             <a:fld id="{F8166F1F-CE9B-4651-A6AA-CD717754106B}" type="datetimeFigureOut">
               <a:rPr lang="en-US" smtClean="0"/>
               <a:pPr/>
-              <a:t>8/11/2020</a:t>
+              <a:t>8/12/2020</a:t>
             </a:fld>
             <a:endParaRPr lang="en-US"/>
           </a:p>
@@ -1595,7 +1595,7 @@
             <a:fld id="{A76116CE-C4A3-4A05-B2D7-7C2E9A889C0F}" type="datetimeFigureOut">
               <a:rPr lang="en-US" smtClean="0"/>
               <a:pPr/>
-              <a:t>8/11/2020</a:t>
+              <a:t>8/12/2020</a:t>
             </a:fld>
             <a:endParaRPr lang="en-US"/>
           </a:p>
@@ -1770,7 +1770,7 @@
             <a:fld id="{A76116CE-C4A3-4A05-B2D7-7C2E9A889C0F}" type="datetimeFigureOut">
               <a:rPr lang="en-US" smtClean="0"/>
               <a:pPr/>
-              <a:t>8/11/2020</a:t>
+              <a:t>8/12/2020</a:t>
             </a:fld>
             <a:endParaRPr lang="en-US"/>
           </a:p>
@@ -1937,7 +1937,7 @@
             <a:fld id="{A76116CE-C4A3-4A05-B2D7-7C2E9A889C0F}" type="datetimeFigureOut">
               <a:rPr lang="en-US" smtClean="0"/>
               <a:pPr/>
-              <a:t>8/11/2020</a:t>
+              <a:t>8/12/2020</a:t>
             </a:fld>
             <a:endParaRPr lang="en-US"/>
           </a:p>
@@ -2179,7 +2179,7 @@
             <a:fld id="{A76116CE-C4A3-4A05-B2D7-7C2E9A889C0F}" type="datetimeFigureOut">
               <a:rPr lang="en-US" smtClean="0"/>
               <a:pPr/>
-              <a:t>8/11/2020</a:t>
+              <a:t>8/12/2020</a:t>
             </a:fld>
             <a:endParaRPr lang="en-US"/>
           </a:p>
@@ -2461,7 +2461,7 @@
             <a:fld id="{A76116CE-C4A3-4A05-B2D7-7C2E9A889C0F}" type="datetimeFigureOut">
               <a:rPr lang="en-US" smtClean="0"/>
               <a:pPr/>
-              <a:t>8/11/2020</a:t>
+              <a:t>8/12/2020</a:t>
             </a:fld>
             <a:endParaRPr lang="en-US"/>
           </a:p>
@@ -2877,7 +2877,7 @@
             <a:fld id="{A76116CE-C4A3-4A05-B2D7-7C2E9A889C0F}" type="datetimeFigureOut">
               <a:rPr lang="en-US" smtClean="0"/>
               <a:pPr/>
-              <a:t>8/11/2020</a:t>
+              <a:t>8/12/2020</a:t>
             </a:fld>
             <a:endParaRPr lang="en-US"/>
           </a:p>
@@ -2991,7 +2991,7 @@
             <a:fld id="{A76116CE-C4A3-4A05-B2D7-7C2E9A889C0F}" type="datetimeFigureOut">
               <a:rPr lang="en-US" smtClean="0"/>
               <a:pPr/>
-              <a:t>8/11/2020</a:t>
+              <a:t>8/12/2020</a:t>
             </a:fld>
             <a:endParaRPr lang="en-US"/>
           </a:p>
@@ -3083,7 +3083,7 @@
             <a:fld id="{A76116CE-C4A3-4A05-B2D7-7C2E9A889C0F}" type="datetimeFigureOut">
               <a:rPr lang="en-US" smtClean="0"/>
               <a:pPr/>
-              <a:t>8/11/2020</a:t>
+              <a:t>8/12/2020</a:t>
             </a:fld>
             <a:endParaRPr lang="en-US"/>
           </a:p>
@@ -3355,7 +3355,7 @@
             <a:fld id="{A76116CE-C4A3-4A05-B2D7-7C2E9A889C0F}" type="datetimeFigureOut">
               <a:rPr lang="en-US" smtClean="0"/>
               <a:pPr/>
-              <a:t>8/11/2020</a:t>
+              <a:t>8/12/2020</a:t>
             </a:fld>
             <a:endParaRPr lang="en-US"/>
           </a:p>
@@ -3604,7 +3604,7 @@
             <a:fld id="{A76116CE-C4A3-4A05-B2D7-7C2E9A889C0F}" type="datetimeFigureOut">
               <a:rPr lang="en-US" smtClean="0"/>
               <a:pPr/>
-              <a:t>8/11/2020</a:t>
+              <a:t>8/12/2020</a:t>
             </a:fld>
             <a:endParaRPr lang="en-US"/>
           </a:p>
@@ -3812,7 +3812,7 @@
             <a:fld id="{F8166F1F-CE9B-4651-A6AA-CD717754106B}" type="datetimeFigureOut">
               <a:rPr lang="en-US" smtClean="0"/>
               <a:pPr/>
-              <a:t>8/11/2020</a:t>
+              <a:t>8/12/2020</a:t>
             </a:fld>
             <a:endParaRPr lang="en-US"/>
           </a:p>
@@ -18670,10 +18670,6 @@
               </a:rPr>
               <a:t>기대 효과</a:t>
             </a:r>
-            <a:endParaRPr lang="ko-KR" altLang="en-US" sz="7200" dirty="0" smtClean="0">
-              <a:latin typeface="나눔스퀘어_ac Bold" panose="020B0600000101010101" pitchFamily="50" charset="-127"/>
-              <a:ea typeface="나눔스퀘어_ac Bold" panose="020B0600000101010101" pitchFamily="50" charset="-127"/>
-            </a:endParaRPr>
           </a:p>
           <a:p>
             <a:endParaRPr lang="ko-KR" altLang="en-US" sz="7200" dirty="0">
@@ -18728,16 +18724,55 @@
           </a:p>
         </p:txBody>
       </p:sp>
-      <p:sp>
-        <p:nvSpPr>
-          <p:cNvPr id="33" name="TextBox 32"/>
+      <p:grpSp>
+        <p:nvGrpSpPr>
+          <p:cNvPr id="18" name="그룹 1005"/>
+          <p:cNvGrpSpPr/>
+          <p:nvPr/>
+        </p:nvGrpSpPr>
+        <p:grpSpPr>
+          <a:xfrm>
+            <a:off x="2071638" y="2643170"/>
+            <a:ext cx="14287600" cy="6429420"/>
+            <a:chOff x="3214646" y="4786310"/>
+            <a:chExt cx="11736232" cy="3420621"/>
+          </a:xfrm>
+        </p:grpSpPr>
+        <p:pic>
+          <p:nvPicPr>
+            <p:cNvPr id="19" name="Object 24"/>
+            <p:cNvPicPr>
+              <a:picLocks noChangeAspect="1"/>
+            </p:cNvPicPr>
+            <p:nvPr/>
+          </p:nvPicPr>
+          <p:blipFill>
+            <a:blip r:embed="rId4" cstate="print"/>
+            <a:stretch>
+              <a:fillRect/>
+            </a:stretch>
+          </p:blipFill>
+          <p:spPr>
+            <a:xfrm>
+              <a:off x="3214646" y="4786310"/>
+              <a:ext cx="11736232" cy="3420621"/>
+            </a:xfrm>
+            <a:prstGeom prst="rect">
+              <a:avLst/>
+            </a:prstGeom>
+          </p:spPr>
+        </p:pic>
+      </p:grpSp>
+      <p:sp>
+        <p:nvSpPr>
+          <p:cNvPr id="23" name="TextBox 22"/>
           <p:cNvSpPr txBox="1"/>
           <p:nvPr/>
         </p:nvSpPr>
         <p:spPr>
           <a:xfrm>
-            <a:off x="1214382" y="3000360"/>
-            <a:ext cx="15430608" cy="4401205"/>
+            <a:off x="4571968" y="3857616"/>
+            <a:ext cx="10644262" cy="822533"/>
           </a:xfrm>
           <a:prstGeom prst="rect">
             <a:avLst/>
@@ -18751,101 +18786,201 @@
           <a:lstStyle/>
           <a:p>
             <a:pPr>
-              <a:buFont typeface="Arial" pitchFamily="34" charset="0"/>
-              <a:buChar char="•"/>
+              <a:lnSpc>
+                <a:spcPct val="150000"/>
+              </a:lnSpc>
             </a:pPr>
             <a:r>
-              <a:rPr lang="ko-KR" altLang="en-US" sz="3500" dirty="0" err="1" smtClean="0"/>
+              <a:rPr lang="ko-KR" altLang="en-US" sz="3500" spc="300" dirty="0" err="1" smtClean="0">
+                <a:latin typeface="나눔스퀘어_ac Bold" pitchFamily="50" charset="-127"/>
+                <a:ea typeface="나눔스퀘어_ac Bold" pitchFamily="50" charset="-127"/>
+              </a:rPr>
               <a:t>고독사</a:t>
             </a:r>
             <a:r>
-              <a:rPr lang="ko-KR" altLang="en-US" sz="3500" dirty="0" smtClean="0"/>
-              <a:t> 사전 방지 및 조기 발견을 높일 수 있으며 치매 환자 이상 행동 시 즉각 대응이 가능하다</a:t>
-            </a:r>
-            <a:r>
-              <a:rPr lang="en-US" altLang="ko-KR" sz="3500" dirty="0" smtClean="0"/>
-              <a:t>.</a:t>
-            </a:r>
-          </a:p>
+              <a:rPr lang="ko-KR" altLang="en-US" sz="3500" spc="300" dirty="0" smtClean="0">
+                <a:latin typeface="나눔스퀘어_ac Bold" pitchFamily="50" charset="-127"/>
+                <a:ea typeface="나눔스퀘어_ac Bold" pitchFamily="50" charset="-127"/>
+              </a:rPr>
+              <a:t> 사전 방지 및 치매환자 이상행동 즉각 대응</a:t>
+            </a:r>
+            <a:endParaRPr lang="en-US" altLang="ko-KR" sz="3500" spc="300" dirty="0" smtClean="0">
+              <a:latin typeface="나눔스퀘어_ac Bold" pitchFamily="50" charset="-127"/>
+              <a:ea typeface="나눔스퀘어_ac Bold" pitchFamily="50" charset="-127"/>
+            </a:endParaRPr>
+          </a:p>
+        </p:txBody>
+      </p:sp>
+      <p:pic>
+        <p:nvPicPr>
+          <p:cNvPr id="25" name="Object 5"/>
+          <p:cNvPicPr>
+            <a:picLocks noChangeAspect="1"/>
+          </p:cNvPicPr>
+          <p:nvPr/>
+        </p:nvPicPr>
+        <p:blipFill>
+          <a:blip r:embed="rId5" cstate="print"/>
+          <a:stretch>
+            <a:fillRect/>
+          </a:stretch>
+        </p:blipFill>
+        <p:spPr>
+          <a:xfrm>
+            <a:off x="2714580" y="3376387"/>
+            <a:ext cx="1785950" cy="1981427"/>
+          </a:xfrm>
+          <a:prstGeom prst="rect">
+            <a:avLst/>
+          </a:prstGeom>
+        </p:spPr>
+      </p:pic>
+      <p:pic>
+        <p:nvPicPr>
+          <p:cNvPr id="29" name="Object 30"/>
+          <p:cNvPicPr>
+            <a:picLocks noChangeAspect="1"/>
+          </p:cNvPicPr>
+          <p:nvPr/>
+        </p:nvPicPr>
+        <p:blipFill>
+          <a:blip r:embed="rId6" cstate="print"/>
+          <a:stretch>
+            <a:fillRect/>
+          </a:stretch>
+        </p:blipFill>
+        <p:spPr>
+          <a:xfrm>
+            <a:off x="2643142" y="5520020"/>
+            <a:ext cx="1914286" cy="2123810"/>
+          </a:xfrm>
+          <a:prstGeom prst="rect">
+            <a:avLst/>
+          </a:prstGeom>
+        </p:spPr>
+      </p:pic>
+      <p:sp>
+        <p:nvSpPr>
+          <p:cNvPr id="32" name="TextBox 31"/>
+          <p:cNvSpPr txBox="1"/>
+          <p:nvPr/>
+        </p:nvSpPr>
+        <p:spPr>
+          <a:xfrm>
+            <a:off x="4571968" y="5649918"/>
+            <a:ext cx="11144328" cy="2438360"/>
+          </a:xfrm>
+          <a:prstGeom prst="rect">
+            <a:avLst/>
+          </a:prstGeom>
+          <a:noFill/>
+        </p:spPr>
+        <p:txBody>
+          <a:bodyPr wrap="square" rtlCol="0">
+            <a:spAutoFit/>
+          </a:bodyPr>
+          <a:lstStyle/>
           <a:p>
             <a:pPr>
-              <a:buFont typeface="Arial" pitchFamily="34" charset="0"/>
-              <a:buChar char="•"/>
+              <a:lnSpc>
+                <a:spcPct val="150000"/>
+              </a:lnSpc>
             </a:pPr>
-            <a:endParaRPr lang="en-US" altLang="ko-KR" sz="3500" dirty="0" smtClean="0"/>
-          </a:p>
-          <a:p>
-            <a:pPr>
-              <a:buFont typeface="Arial" pitchFamily="34" charset="0"/>
-              <a:buChar char="•"/>
-            </a:pPr>
-            <a:r>
-              <a:rPr lang="ko-KR" altLang="en-US" sz="3500" smtClean="0"/>
-              <a:t>독거노인 뿐 아니라 </a:t>
-            </a:r>
-            <a:endParaRPr lang="en-US" altLang="ko-KR" sz="3500" dirty="0" smtClean="0"/>
-          </a:p>
-          <a:p>
-            <a:pPr>
-              <a:buFont typeface="Arial" pitchFamily="34" charset="0"/>
-              <a:buChar char="•"/>
-            </a:pPr>
-            <a:endParaRPr lang="en-US" altLang="ko-KR" sz="3500" dirty="0" smtClean="0"/>
-          </a:p>
-          <a:p>
-            <a:pPr>
-              <a:buFont typeface="Arial" pitchFamily="34" charset="0"/>
-              <a:buChar char="•"/>
-            </a:pPr>
-            <a:r>
-              <a:rPr lang="ko-KR" altLang="en-US" sz="3500" dirty="0" smtClean="0"/>
-              <a:t>손목 밴드의 </a:t>
-            </a:r>
-            <a:r>
-              <a:rPr lang="ko-KR" altLang="en-US" sz="3500" dirty="0" err="1" smtClean="0"/>
+            <a:r>
+              <a:rPr lang="ko-KR" altLang="en-US" sz="3500" spc="300" dirty="0" smtClean="0">
+                <a:latin typeface="나눔스퀘어_ac Bold" pitchFamily="50" charset="-127"/>
+                <a:ea typeface="나눔스퀘어_ac Bold" pitchFamily="50" charset="-127"/>
+              </a:rPr>
+              <a:t>손목밴드의 </a:t>
+            </a:r>
+            <a:r>
+              <a:rPr lang="ko-KR" altLang="en-US" sz="3500" spc="300" dirty="0" err="1" smtClean="0">
+                <a:latin typeface="나눔스퀘어_ac Bold" pitchFamily="50" charset="-127"/>
+                <a:ea typeface="나눔스퀘어_ac Bold" pitchFamily="50" charset="-127"/>
+              </a:rPr>
               <a:t>착용성</a:t>
             </a:r>
             <a:r>
-              <a:rPr lang="ko-KR" altLang="en-US" sz="3500" dirty="0" smtClean="0"/>
+              <a:rPr lang="ko-KR" altLang="en-US" sz="3500" spc="300" dirty="0" smtClean="0">
+                <a:latin typeface="나눔스퀘어_ac Bold" pitchFamily="50" charset="-127"/>
+                <a:ea typeface="나눔스퀘어_ac Bold" pitchFamily="50" charset="-127"/>
+              </a:rPr>
               <a:t> 및 </a:t>
             </a:r>
             <a:r>
-              <a:rPr lang="en-US" altLang="ko-KR" sz="3500" dirty="0" smtClean="0"/>
-              <a:t>sensing </a:t>
-            </a:r>
-            <a:r>
-              <a:rPr lang="ko-KR" altLang="en-US" sz="3500" dirty="0" smtClean="0"/>
-              <a:t>개성</a:t>
-            </a:r>
-            <a:r>
-              <a:rPr lang="en-US" altLang="ko-KR" sz="3500" dirty="0" smtClean="0"/>
+              <a:rPr lang="en-US" altLang="ko-KR" sz="3500" spc="300" dirty="0" smtClean="0">
+                <a:latin typeface="나눔스퀘어_ac Bold" pitchFamily="50" charset="-127"/>
+                <a:ea typeface="나눔스퀘어_ac Bold" pitchFamily="50" charset="-127"/>
+              </a:rPr>
+              <a:t>sensing</a:t>
+            </a:r>
+            <a:r>
+              <a:rPr lang="ko-KR" altLang="en-US" sz="3500" spc="300" dirty="0" smtClean="0">
+                <a:latin typeface="나눔스퀘어_ac Bold" pitchFamily="50" charset="-127"/>
+                <a:ea typeface="나눔스퀘어_ac Bold" pitchFamily="50" charset="-127"/>
+              </a:rPr>
+              <a:t>개선</a:t>
+            </a:r>
+            <a:r>
+              <a:rPr lang="en-US" altLang="ko-KR" sz="3500" spc="300" dirty="0" smtClean="0">
+                <a:latin typeface="나눔스퀘어_ac Bold" pitchFamily="50" charset="-127"/>
+                <a:ea typeface="나눔스퀘어_ac Bold" pitchFamily="50" charset="-127"/>
+              </a:rPr>
+              <a:t>,</a:t>
+            </a:r>
+            <a:r>
+              <a:rPr lang="ko-KR" altLang="en-US" sz="3500" spc="300" dirty="0" smtClean="0">
+                <a:latin typeface="나눔스퀘어_ac Bold" pitchFamily="50" charset="-127"/>
+                <a:ea typeface="나눔스퀘어_ac Bold" pitchFamily="50" charset="-127"/>
+              </a:rPr>
+              <a:t> </a:t>
+            </a:r>
+            <a:r>
+              <a:rPr lang="en-US" altLang="ko-KR" sz="3500" spc="300" dirty="0" err="1" smtClean="0">
+                <a:latin typeface="나눔스퀘어_ac Bold" pitchFamily="50" charset="-127"/>
+                <a:ea typeface="나눔스퀘어_ac Bold" pitchFamily="50" charset="-127"/>
+              </a:rPr>
+              <a:t>IoT</a:t>
+            </a:r>
+            <a:r>
+              <a:rPr lang="ko-KR" altLang="en-US" sz="3500" spc="300" dirty="0" smtClean="0">
+                <a:latin typeface="나눔스퀘어_ac Bold" pitchFamily="50" charset="-127"/>
+                <a:ea typeface="나눔스퀘어_ac Bold" pitchFamily="50" charset="-127"/>
+              </a:rPr>
+              <a:t>기기의 기능 확대 수집</a:t>
+            </a:r>
+            <a:r>
+              <a:rPr lang="en-US" altLang="ko-KR" sz="3500" spc="300" dirty="0" smtClean="0">
+                <a:latin typeface="나눔스퀘어_ac Bold" pitchFamily="50" charset="-127"/>
+                <a:ea typeface="나눔스퀘어_ac Bold" pitchFamily="50" charset="-127"/>
+              </a:rPr>
+              <a:t>,</a:t>
+            </a:r>
+            <a:r>
+              <a:rPr lang="ko-KR" altLang="en-US" sz="3500" spc="300" dirty="0" smtClean="0">
+                <a:latin typeface="나눔스퀘어_ac Bold" pitchFamily="50" charset="-127"/>
+                <a:ea typeface="나눔스퀘어_ac Bold" pitchFamily="50" charset="-127"/>
+              </a:rPr>
+              <a:t> 데이터 분석을 통한 다양한 사고 조기 예측</a:t>
+            </a:r>
+            <a:r>
+              <a:rPr lang="en-US" altLang="ko-KR" sz="3500" spc="300" dirty="0" smtClean="0">
+                <a:latin typeface="나눔스퀘어_ac Bold" pitchFamily="50" charset="-127"/>
+                <a:ea typeface="나눔스퀘어_ac Bold" pitchFamily="50" charset="-127"/>
+              </a:rPr>
               <a:t>, </a:t>
             </a:r>
             <a:r>
-              <a:rPr lang="ko-KR" altLang="en-US" sz="3500" dirty="0" smtClean="0"/>
-              <a:t>웹 </a:t>
-            </a:r>
-            <a:r>
-              <a:rPr lang="ko-KR" altLang="en-US" sz="3500" dirty="0" err="1" smtClean="0"/>
-              <a:t>모바일</a:t>
-            </a:r>
-            <a:r>
-              <a:rPr lang="ko-KR" altLang="en-US" sz="3500" dirty="0" smtClean="0"/>
-              <a:t> 등의 데이터 가시화</a:t>
-            </a:r>
-            <a:r>
-              <a:rPr lang="en-US" altLang="ko-KR" sz="3500" dirty="0" smtClean="0"/>
-              <a:t>, </a:t>
-            </a:r>
-            <a:r>
-              <a:rPr lang="ko-KR" altLang="en-US" sz="3500" dirty="0" smtClean="0"/>
-              <a:t>수집 데이터 분석 등을 통해 사고 조기 예측 및 복지 사각지대가 완화 될 것으로 기대된다</a:t>
-            </a:r>
-            <a:r>
-              <a:rPr lang="en-US" altLang="ko-KR" sz="3500" dirty="0" smtClean="0"/>
-              <a:t>.</a:t>
-            </a:r>
-            <a:endParaRPr lang="ko-KR" altLang="en-US" sz="3500" dirty="0"/>
+              <a:rPr lang="ko-KR" altLang="en-US" sz="3500" spc="300" dirty="0" smtClean="0">
+                <a:latin typeface="나눔스퀘어_ac Bold" pitchFamily="50" charset="-127"/>
+                <a:ea typeface="나눔스퀘어_ac Bold" pitchFamily="50" charset="-127"/>
+              </a:rPr>
+              <a:t>예방 및 복지 사각지대 완화</a:t>
+            </a:r>
+            <a:endParaRPr lang="en-US" altLang="ko-KR" sz="3500" spc="300" dirty="0" smtClean="0">
+              <a:latin typeface="나눔스퀘어_ac Bold" pitchFamily="50" charset="-127"/>
+              <a:ea typeface="나눔스퀘어_ac Bold" pitchFamily="50" charset="-127"/>
+            </a:endParaRPr>
           </a:p>
         </p:txBody>
       </p:sp>
